--- a/Presentation/Project Luther.pptx
+++ b/Presentation/Project Luther.pptx
@@ -9,8 +9,8 @@
     <p:sldId id="270" r:id="rId3"/>
     <p:sldId id="264" r:id="rId4"/>
     <p:sldId id="271" r:id="rId5"/>
-    <p:sldId id="263" r:id="rId6"/>
-    <p:sldId id="272" r:id="rId7"/>
+    <p:sldId id="273" r:id="rId6"/>
+    <p:sldId id="274" r:id="rId7"/>
     <p:sldId id="265" r:id="rId8"/>
     <p:sldId id="266" r:id="rId9"/>
     <p:sldId id="267" r:id="rId10"/>
@@ -113,6 +113,11 @@
       </a:defRPr>
     </a:lvl9pPr>
   </p:defaultTextStyle>
+  <p:extLst>
+    <p:ext uri="{EFAFB233-063F-42B5-8137-9DF3F51BA10A}">
+      <p15:sldGuideLst xmlns:p15="http://schemas.microsoft.com/office/powerpoint/2012/main"/>
+    </p:ext>
+  </p:extLst>
 </p:presentation>
 </file>
 
@@ -3431,7 +3436,12 @@
             <p:ph type="subTitle" idx="1"/>
           </p:nvPr>
         </p:nvSpPr>
-        <p:spPr/>
+        <p:spPr>
+          <a:xfrm>
+            <a:off x="1524000" y="3823987"/>
+            <a:ext cx="9144000" cy="1655762"/>
+          </a:xfrm>
+        </p:spPr>
         <p:txBody>
           <a:bodyPr/>
           <a:lstStyle/>
@@ -3462,6 +3472,29 @@
                 <a:srgbClr val="E3EFF3"/>
               </a:solidFill>
             </a:endParaRPr>
+          </a:p>
+          <a:p>
+            <a:pPr>
+              <a:spcBef>
+                <a:spcPts val="1600"/>
+              </a:spcBef>
+            </a:pPr>
+            <a:r>
+              <a:rPr lang="de-DE" sz="1600" dirty="0" err="1">
+                <a:solidFill>
+                  <a:srgbClr val="E3EFF3"/>
+                </a:solidFill>
+              </a:rPr>
+              <a:t>January</a:t>
+            </a:r>
+            <a:r>
+              <a:rPr lang="de-DE" sz="1600" dirty="0">
+                <a:solidFill>
+                  <a:srgbClr val="E3EFF3"/>
+                </a:solidFill>
+              </a:rPr>
+              <a:t> 25th, 2019</a:t>
+            </a:r>
           </a:p>
           <a:p>
             <a:pPr>
@@ -3757,7 +3790,7 @@
                   <a:srgbClr val="143A52"/>
                 </a:solidFill>
               </a:rPr>
-              <a:t>Predict the influence a python podcast has on the ”reputation” of any GitHub repository.</a:t>
+              <a:t>Predict the influence a python podcast has on the ”reputation” of a GitHub repository.</a:t>
             </a:r>
           </a:p>
           <a:p>
@@ -4076,6 +4109,36 @@
           </a:p>
         </p:txBody>
       </p:sp>
+      <p:pic>
+        <p:nvPicPr>
+          <p:cNvPr id="5" name="Picture 4">
+            <a:extLst>
+              <a:ext uri="{FF2B5EF4-FFF2-40B4-BE49-F238E27FC236}">
+                <a16:creationId xmlns:a16="http://schemas.microsoft.com/office/drawing/2014/main" id="{35D008BE-0B54-FD42-9786-34A50BA10CE4}"/>
+              </a:ext>
+            </a:extLst>
+          </p:cNvPr>
+          <p:cNvPicPr>
+            <a:picLocks noChangeAspect="1"/>
+          </p:cNvPicPr>
+          <p:nvPr/>
+        </p:nvPicPr>
+        <p:blipFill>
+          <a:blip r:embed="rId2"/>
+          <a:stretch>
+            <a:fillRect/>
+          </a:stretch>
+        </p:blipFill>
+        <p:spPr>
+          <a:xfrm>
+            <a:off x="8633369" y="1764759"/>
+            <a:ext cx="2508764" cy="2508764"/>
+          </a:xfrm>
+          <a:prstGeom prst="rect">
+            <a:avLst/>
+          </a:prstGeom>
+        </p:spPr>
+      </p:pic>
     </p:spTree>
     <p:extLst>
       <p:ext uri="{BB962C8B-B14F-4D97-AF65-F5344CB8AC3E}">
@@ -4188,7 +4251,12 @@
             <p:ph type="title"/>
           </p:nvPr>
         </p:nvSpPr>
-        <p:spPr/>
+        <p:spPr>
+          <a:xfrm>
+            <a:off x="838200" y="365125"/>
+            <a:ext cx="10515600" cy="1325563"/>
+          </a:xfrm>
+        </p:spPr>
         <p:txBody>
           <a:bodyPr/>
           <a:lstStyle/>
@@ -4211,10 +4279,10 @@
       </p:sp>
       <p:grpSp>
         <p:nvGrpSpPr>
-          <p:cNvPr id="12" name="Group 11">
-            <a:extLst>
-              <a:ext uri="{FF2B5EF4-FFF2-40B4-BE49-F238E27FC236}">
-                <a16:creationId xmlns:a16="http://schemas.microsoft.com/office/drawing/2014/main" id="{04840B4A-312B-C64C-ABA1-EA8231FF1B98}"/>
+          <p:cNvPr id="3" name="Group 2">
+            <a:extLst>
+              <a:ext uri="{FF2B5EF4-FFF2-40B4-BE49-F238E27FC236}">
+                <a16:creationId xmlns:a16="http://schemas.microsoft.com/office/drawing/2014/main" id="{65F7C157-D4F8-3C43-9469-AF2720FCEF7F}"/>
               </a:ext>
             </a:extLst>
           </p:cNvPr>
@@ -4223,18 +4291,18 @@
         </p:nvGrpSpPr>
         <p:grpSpPr>
           <a:xfrm>
-            <a:off x="209551" y="1804988"/>
-            <a:ext cx="8385809" cy="4695801"/>
-            <a:chOff x="838200" y="1690688"/>
-            <a:chExt cx="8837141" cy="4615791"/>
+            <a:off x="387111" y="1748549"/>
+            <a:ext cx="7592666" cy="4699936"/>
+            <a:chOff x="209551" y="1792939"/>
+            <a:chExt cx="7592666" cy="4699936"/>
           </a:xfrm>
         </p:grpSpPr>
         <p:pic>
           <p:nvPicPr>
-            <p:cNvPr id="7" name="Picture 6" descr="A picture containing text, sky, wall&#13;&#10;&#13;&#10;Description automatically generated">
+            <p:cNvPr id="4" name="Picture 3" descr="A picture containing text, wall&#13;&#10;&#13;&#10;Description automatically generated">
               <a:extLst>
                 <a:ext uri="{FF2B5EF4-FFF2-40B4-BE49-F238E27FC236}">
-                  <a16:creationId xmlns:a16="http://schemas.microsoft.com/office/drawing/2014/main" id="{0AA493FE-69D8-5849-AFAD-9ED3EC7ACB25}"/>
+                  <a16:creationId xmlns:a16="http://schemas.microsoft.com/office/drawing/2014/main" id="{2003D773-C75D-4443-BAAF-92F0305FB5BB}"/>
                 </a:ext>
               </a:extLst>
             </p:cNvPr>
@@ -4245,13 +4313,13 @@
           </p:nvPicPr>
           <p:blipFill rotWithShape="1">
             <a:blip r:embed="rId2"/>
-            <a:srcRect l="1520" t="11311" r="8939" b="5067"/>
+            <a:srcRect l="2699" t="11450" r="10686" b="5209"/>
             <a:stretch/>
           </p:blipFill>
           <p:spPr>
             <a:xfrm>
-              <a:off x="838200" y="1690688"/>
-              <a:ext cx="8837141" cy="4615791"/>
+              <a:off x="209551" y="1792939"/>
+              <a:ext cx="7592666" cy="4699936"/>
             </a:xfrm>
             <a:prstGeom prst="rect">
               <a:avLst/>
@@ -4272,10 +4340,10 @@
           </p:nvGrpSpPr>
           <p:grpSpPr>
             <a:xfrm>
-              <a:off x="8012430" y="1829367"/>
-              <a:ext cx="1556952" cy="1155235"/>
-              <a:chOff x="8229600" y="1737927"/>
-              <a:chExt cx="1556952" cy="1155235"/>
+              <a:off x="6225390" y="1874605"/>
+              <a:ext cx="1477437" cy="1175259"/>
+              <a:chOff x="8229598" y="1737927"/>
+              <a:chExt cx="1556954" cy="1155234"/>
             </a:xfrm>
           </p:grpSpPr>
           <p:sp>
@@ -4370,7 +4438,7 @@
             </p:nvSpPr>
             <p:spPr>
               <a:xfrm>
-                <a:off x="8229600" y="2523830"/>
+                <a:off x="8229598" y="2523829"/>
                 <a:ext cx="1556952" cy="369332"/>
               </a:xfrm>
               <a:prstGeom prst="rect">
@@ -4397,10 +4465,88 @@
           </p:sp>
         </p:grpSp>
       </p:grpSp>
+      <p:sp>
+        <p:nvSpPr>
+          <p:cNvPr id="5" name="TextBox 4">
+            <a:extLst>
+              <a:ext uri="{FF2B5EF4-FFF2-40B4-BE49-F238E27FC236}">
+                <a16:creationId xmlns:a16="http://schemas.microsoft.com/office/drawing/2014/main" id="{798C459B-54E6-A643-BBEA-EE8B06F2256E}"/>
+              </a:ext>
+            </a:extLst>
+          </p:cNvPr>
+          <p:cNvSpPr txBox="1"/>
+          <p:nvPr/>
+        </p:nvSpPr>
+        <p:spPr>
+          <a:xfrm>
+            <a:off x="2869549" y="6446679"/>
+            <a:ext cx="2627790" cy="369332"/>
+          </a:xfrm>
+          <a:prstGeom prst="rect">
+            <a:avLst/>
+          </a:prstGeom>
+          <a:noFill/>
+        </p:spPr>
+        <p:txBody>
+          <a:bodyPr wrap="square" rtlCol="0">
+            <a:spAutoFit/>
+          </a:bodyPr>
+          <a:lstStyle/>
+          <a:p>
+            <a:r>
+              <a:rPr lang="en-US" dirty="0">
+                <a:solidFill>
+                  <a:srgbClr val="143A52"/>
+                </a:solidFill>
+              </a:rPr>
+              <a:t>Days after Mention</a:t>
+            </a:r>
+          </a:p>
+        </p:txBody>
+      </p:sp>
+      <p:sp>
+        <p:nvSpPr>
+          <p:cNvPr id="6" name="TextBox 5">
+            <a:extLst>
+              <a:ext uri="{FF2B5EF4-FFF2-40B4-BE49-F238E27FC236}">
+                <a16:creationId xmlns:a16="http://schemas.microsoft.com/office/drawing/2014/main" id="{F5BC9040-8518-084B-9E0E-06FCA97C8D7A}"/>
+              </a:ext>
+            </a:extLst>
+          </p:cNvPr>
+          <p:cNvSpPr txBox="1"/>
+          <p:nvPr/>
+        </p:nvSpPr>
+        <p:spPr>
+          <a:xfrm rot="16200000">
+            <a:off x="-1157852" y="3797654"/>
+            <a:ext cx="2720587" cy="369332"/>
+          </a:xfrm>
+          <a:prstGeom prst="rect">
+            <a:avLst/>
+          </a:prstGeom>
+          <a:noFill/>
+        </p:spPr>
+        <p:txBody>
+          <a:bodyPr wrap="square" rtlCol="0">
+            <a:spAutoFit/>
+          </a:bodyPr>
+          <a:lstStyle/>
+          <a:p>
+            <a:r>
+              <a:rPr lang="en-US" dirty="0">
+                <a:solidFill>
+                  <a:srgbClr val="143A52"/>
+                </a:solidFill>
+              </a:rPr>
+              <a:t>Rel. Star Count Increase</a:t>
+            </a:r>
+          </a:p>
+        </p:txBody>
+      </p:sp>
     </p:spTree>
     <p:extLst>
       <p:ext uri="{BB962C8B-B14F-4D97-AF65-F5344CB8AC3E}">
-        <p14:creationId xmlns:p14="http://schemas.microsoft.com/office/powerpoint/2010/main" val="991566996"/>
+        <p14:creationId xmlns:p14="http://schemas.microsoft.com/office/powerpoint/2010/main" val="3948578181"/>
       </p:ext>
     </p:extLst>
   </p:cSld>
@@ -4443,7 +4589,12 @@
             <p:ph type="title"/>
           </p:nvPr>
         </p:nvSpPr>
-        <p:spPr/>
+        <p:spPr>
+          <a:xfrm>
+            <a:off x="838200" y="365125"/>
+            <a:ext cx="10515600" cy="1325563"/>
+          </a:xfrm>
+        </p:spPr>
         <p:txBody>
           <a:bodyPr/>
           <a:lstStyle/>
@@ -4466,10 +4617,10 @@
       </p:sp>
       <p:grpSp>
         <p:nvGrpSpPr>
-          <p:cNvPr id="12" name="Group 11">
-            <a:extLst>
-              <a:ext uri="{FF2B5EF4-FFF2-40B4-BE49-F238E27FC236}">
-                <a16:creationId xmlns:a16="http://schemas.microsoft.com/office/drawing/2014/main" id="{04840B4A-312B-C64C-ABA1-EA8231FF1B98}"/>
+          <p:cNvPr id="3" name="Group 2">
+            <a:extLst>
+              <a:ext uri="{FF2B5EF4-FFF2-40B4-BE49-F238E27FC236}">
+                <a16:creationId xmlns:a16="http://schemas.microsoft.com/office/drawing/2014/main" id="{65F7C157-D4F8-3C43-9469-AF2720FCEF7F}"/>
               </a:ext>
             </a:extLst>
           </p:cNvPr>
@@ -4478,18 +4629,18 @@
         </p:nvGrpSpPr>
         <p:grpSpPr>
           <a:xfrm>
-            <a:off x="209551" y="1804988"/>
-            <a:ext cx="8385809" cy="4695801"/>
-            <a:chOff x="838200" y="1690688"/>
-            <a:chExt cx="8837141" cy="4615791"/>
+            <a:off x="387111" y="1748549"/>
+            <a:ext cx="7592666" cy="4699936"/>
+            <a:chOff x="209551" y="1792939"/>
+            <a:chExt cx="7592666" cy="4699936"/>
           </a:xfrm>
         </p:grpSpPr>
         <p:pic>
           <p:nvPicPr>
-            <p:cNvPr id="7" name="Picture 6" descr="A picture containing text, sky, wall&#13;&#10;&#13;&#10;Description automatically generated">
+            <p:cNvPr id="4" name="Picture 3" descr="A picture containing text, wall&#13;&#10;&#13;&#10;Description automatically generated">
               <a:extLst>
                 <a:ext uri="{FF2B5EF4-FFF2-40B4-BE49-F238E27FC236}">
-                  <a16:creationId xmlns:a16="http://schemas.microsoft.com/office/drawing/2014/main" id="{0AA493FE-69D8-5849-AFAD-9ED3EC7ACB25}"/>
+                  <a16:creationId xmlns:a16="http://schemas.microsoft.com/office/drawing/2014/main" id="{2003D773-C75D-4443-BAAF-92F0305FB5BB}"/>
                 </a:ext>
               </a:extLst>
             </p:cNvPr>
@@ -4500,13 +4651,13 @@
           </p:nvPicPr>
           <p:blipFill rotWithShape="1">
             <a:blip r:embed="rId2"/>
-            <a:srcRect l="1520" t="11311" r="8939" b="5067"/>
+            <a:srcRect l="2699" t="11450" r="10686" b="5209"/>
             <a:stretch/>
           </p:blipFill>
           <p:spPr>
             <a:xfrm>
-              <a:off x="838200" y="1690688"/>
-              <a:ext cx="8837141" cy="4615791"/>
+              <a:off x="209551" y="1792939"/>
+              <a:ext cx="7592666" cy="4699936"/>
             </a:xfrm>
             <a:prstGeom prst="rect">
               <a:avLst/>
@@ -4527,10 +4678,10 @@
           </p:nvGrpSpPr>
           <p:grpSpPr>
             <a:xfrm>
-              <a:off x="8012430" y="1829367"/>
-              <a:ext cx="1556952" cy="1155235"/>
-              <a:chOff x="8229600" y="1737927"/>
-              <a:chExt cx="1556952" cy="1155235"/>
+              <a:off x="6225390" y="1874605"/>
+              <a:ext cx="1477437" cy="1175259"/>
+              <a:chOff x="8229598" y="1737927"/>
+              <a:chExt cx="1556954" cy="1155234"/>
             </a:xfrm>
           </p:grpSpPr>
           <p:sp>
@@ -4625,7 +4776,7 @@
             </p:nvSpPr>
             <p:spPr>
               <a:xfrm>
-                <a:off x="8229600" y="2523830"/>
+                <a:off x="8229598" y="2523829"/>
                 <a:ext cx="1556952" cy="369332"/>
               </a:xfrm>
               <a:prstGeom prst="rect">
@@ -4656,10 +4807,10 @@
         <mc:Choice xmlns:a14="http://schemas.microsoft.com/office/drawing/2010/main" Requires="a14">
           <p:sp>
             <p:nvSpPr>
-              <p:cNvPr id="14" name="TextBox 13">
+              <p:cNvPr id="12" name="TextBox 11">
                 <a:extLst>
                   <a:ext uri="{FF2B5EF4-FFF2-40B4-BE49-F238E27FC236}">
-                    <a16:creationId xmlns:a16="http://schemas.microsoft.com/office/drawing/2014/main" id="{10FD9544-4300-5A42-99F7-4AE6E3594C74}"/>
+                    <a16:creationId xmlns:a16="http://schemas.microsoft.com/office/drawing/2014/main" id="{E53D4168-A96C-AF4B-B6E5-F0E806BCF7E1}"/>
                   </a:ext>
                 </a:extLst>
               </p:cNvPr>
@@ -4668,7 +4819,7 @@
             </p:nvSpPr>
             <p:spPr>
               <a:xfrm>
-                <a:off x="8972550" y="2370310"/>
+                <a:off x="8565048" y="2966658"/>
                 <a:ext cx="2846070" cy="646331"/>
               </a:xfrm>
               <a:prstGeom prst="rect">
@@ -4761,10 +4912,10 @@
         <mc:Fallback>
           <p:sp>
             <p:nvSpPr>
-              <p:cNvPr id="14" name="TextBox 13">
+              <p:cNvPr id="12" name="TextBox 11">
                 <a:extLst>
                   <a:ext uri="{FF2B5EF4-FFF2-40B4-BE49-F238E27FC236}">
-                    <a16:creationId xmlns:a16="http://schemas.microsoft.com/office/drawing/2014/main" id="{10FD9544-4300-5A42-99F7-4AE6E3594C74}"/>
+                    <a16:creationId xmlns:a16="http://schemas.microsoft.com/office/drawing/2014/main" id="{E53D4168-A96C-AF4B-B6E5-F0E806BCF7E1}"/>
                   </a:ext>
                 </a:extLst>
               </p:cNvPr>
@@ -4775,7 +4926,7 @@
             </p:nvSpPr>
             <p:spPr>
               <a:xfrm>
-                <a:off x="8972550" y="2370310"/>
+                <a:off x="8565048" y="2966658"/>
                 <a:ext cx="2846070" cy="646331"/>
               </a:xfrm>
               <a:prstGeom prst="rect">
@@ -4784,7 +4935,7 @@
               <a:blipFill>
                 <a:blip r:embed="rId3"/>
                 <a:stretch>
-                  <a:fillRect l="-1778" t="-3846"/>
+                  <a:fillRect l="-1327" t="-3922"/>
                 </a:stretch>
               </a:blipFill>
             </p:spPr>
@@ -4807,10 +4958,10 @@
         <mc:Choice xmlns:a14="http://schemas.microsoft.com/office/drawing/2010/main" Requires="a14">
           <p:sp>
             <p:nvSpPr>
-              <p:cNvPr id="15" name="Rectangle 14">
+              <p:cNvPr id="13" name="Rectangle 12">
                 <a:extLst>
                   <a:ext uri="{FF2B5EF4-FFF2-40B4-BE49-F238E27FC236}">
-                    <a16:creationId xmlns:a16="http://schemas.microsoft.com/office/drawing/2014/main" id="{A5A43FD5-17CF-DE4D-B243-BB68E9F47D95}"/>
+                    <a16:creationId xmlns:a16="http://schemas.microsoft.com/office/drawing/2014/main" id="{FCDEE350-7EE8-524C-8FF7-AD0F3A6FE411}"/>
                   </a:ext>
                 </a:extLst>
               </p:cNvPr>
@@ -4819,7 +4970,7 @@
             </p:nvSpPr>
             <p:spPr>
               <a:xfrm>
-                <a:off x="8972550" y="3016641"/>
+                <a:off x="8565048" y="3612989"/>
                 <a:ext cx="2731966" cy="369332"/>
               </a:xfrm>
               <a:prstGeom prst="rect">
@@ -4858,16 +5009,7 @@
                         </a:solidFill>
                         <a:latin typeface="Cambria Math" panose="02040503050406030204" pitchFamily="18" charset="0"/>
                       </a:rPr>
-                      <m:t>6.93</m:t>
-                    </m:r>
-                    <m:r>
-                      <a:rPr lang="en-US" b="0" i="1" smtClean="0">
-                        <a:solidFill>
-                          <a:srgbClr val="143A52"/>
-                        </a:solidFill>
-                        <a:latin typeface="Cambria Math" panose="02040503050406030204" pitchFamily="18" charset="0"/>
-                      </a:rPr>
-                      <m:t>∗</m:t>
+                      <m:t>6.93∗</m:t>
                     </m:r>
                     <m:sSup>
                       <m:sSupPr>
@@ -4917,10 +5059,10 @@
         <mc:Fallback>
           <p:sp>
             <p:nvSpPr>
-              <p:cNvPr id="15" name="Rectangle 14">
+              <p:cNvPr id="13" name="Rectangle 12">
                 <a:extLst>
                   <a:ext uri="{FF2B5EF4-FFF2-40B4-BE49-F238E27FC236}">
-                    <a16:creationId xmlns:a16="http://schemas.microsoft.com/office/drawing/2014/main" id="{A5A43FD5-17CF-DE4D-B243-BB68E9F47D95}"/>
+                    <a16:creationId xmlns:a16="http://schemas.microsoft.com/office/drawing/2014/main" id="{FCDEE350-7EE8-524C-8FF7-AD0F3A6FE411}"/>
                   </a:ext>
                 </a:extLst>
               </p:cNvPr>
@@ -4931,7 +5073,7 @@
             </p:nvSpPr>
             <p:spPr>
               <a:xfrm>
-                <a:off x="8972550" y="3016641"/>
+                <a:off x="8565048" y="3612989"/>
                 <a:ext cx="2731966" cy="369332"/>
               </a:xfrm>
               <a:prstGeom prst="rect">
@@ -4940,7 +5082,7 @@
               <a:blipFill>
                 <a:blip r:embed="rId4"/>
                 <a:stretch>
-                  <a:fillRect l="-1852" t="-6667" b="-23333"/>
+                  <a:fillRect l="-1382" t="-3226" b="-22581"/>
                 </a:stretch>
               </a:blipFill>
             </p:spPr>
@@ -4961,10 +5103,10 @@
       </mc:AlternateContent>
       <p:grpSp>
         <p:nvGrpSpPr>
-          <p:cNvPr id="18" name="Group 17">
-            <a:extLst>
-              <a:ext uri="{FF2B5EF4-FFF2-40B4-BE49-F238E27FC236}">
-                <a16:creationId xmlns:a16="http://schemas.microsoft.com/office/drawing/2014/main" id="{D423DCF8-C5D6-DB4E-AB52-964A4052042C}"/>
+          <p:cNvPr id="14" name="Group 13">
+            <a:extLst>
+              <a:ext uri="{FF2B5EF4-FFF2-40B4-BE49-F238E27FC236}">
+                <a16:creationId xmlns:a16="http://schemas.microsoft.com/office/drawing/2014/main" id="{493777AF-CF49-E940-8E1C-FB13BA431685}"/>
               </a:ext>
             </a:extLst>
           </p:cNvPr>
@@ -4973,7 +5115,7 @@
         </p:nvGrpSpPr>
         <p:grpSpPr>
           <a:xfrm>
-            <a:off x="8940898" y="3993760"/>
+            <a:off x="8533396" y="4590108"/>
             <a:ext cx="2846070" cy="756040"/>
             <a:chOff x="8915498" y="3841360"/>
             <a:chExt cx="2846070" cy="756040"/>
@@ -4981,10 +5123,10 @@
         </p:grpSpPr>
         <p:sp>
           <p:nvSpPr>
-            <p:cNvPr id="13" name="TextBox 12">
+            <p:cNvPr id="15" name="TextBox 14">
               <a:extLst>
                 <a:ext uri="{FF2B5EF4-FFF2-40B4-BE49-F238E27FC236}">
-                  <a16:creationId xmlns:a16="http://schemas.microsoft.com/office/drawing/2014/main" id="{D2885DE7-A11D-6D44-83B3-48FC116CACE0}"/>
+                  <a16:creationId xmlns:a16="http://schemas.microsoft.com/office/drawing/2014/main" id="{F45AE636-7FFB-3E45-9308-BC5FFAA8A0FA}"/>
                 </a:ext>
               </a:extLst>
             </p:cNvPr>
@@ -5020,10 +5162,10 @@
         </p:sp>
         <p:sp>
           <p:nvSpPr>
-            <p:cNvPr id="17" name="Rectangle 16">
+            <p:cNvPr id="16" name="Rectangle 15">
               <a:extLst>
                 <a:ext uri="{FF2B5EF4-FFF2-40B4-BE49-F238E27FC236}">
-                  <a16:creationId xmlns:a16="http://schemas.microsoft.com/office/drawing/2014/main" id="{7C2035C0-0CE2-F848-8FE8-886566B80F6E}"/>
+                  <a16:creationId xmlns:a16="http://schemas.microsoft.com/office/drawing/2014/main" id="{76498F11-7B47-A04D-B6DF-110A6E49B34C}"/>
                 </a:ext>
               </a:extLst>
             </p:cNvPr>
@@ -5071,10 +5213,88 @@
           </p:txBody>
         </p:sp>
       </p:grpSp>
+      <p:sp>
+        <p:nvSpPr>
+          <p:cNvPr id="5" name="TextBox 4">
+            <a:extLst>
+              <a:ext uri="{FF2B5EF4-FFF2-40B4-BE49-F238E27FC236}">
+                <a16:creationId xmlns:a16="http://schemas.microsoft.com/office/drawing/2014/main" id="{798C459B-54E6-A643-BBEA-EE8B06F2256E}"/>
+              </a:ext>
+            </a:extLst>
+          </p:cNvPr>
+          <p:cNvSpPr txBox="1"/>
+          <p:nvPr/>
+        </p:nvSpPr>
+        <p:spPr>
+          <a:xfrm>
+            <a:off x="2869549" y="6446679"/>
+            <a:ext cx="2627790" cy="369332"/>
+          </a:xfrm>
+          <a:prstGeom prst="rect">
+            <a:avLst/>
+          </a:prstGeom>
+          <a:noFill/>
+        </p:spPr>
+        <p:txBody>
+          <a:bodyPr wrap="square" rtlCol="0">
+            <a:spAutoFit/>
+          </a:bodyPr>
+          <a:lstStyle/>
+          <a:p>
+            <a:r>
+              <a:rPr lang="en-US" dirty="0">
+                <a:solidFill>
+                  <a:srgbClr val="143A52"/>
+                </a:solidFill>
+              </a:rPr>
+              <a:t>Days after Mention</a:t>
+            </a:r>
+          </a:p>
+        </p:txBody>
+      </p:sp>
+      <p:sp>
+        <p:nvSpPr>
+          <p:cNvPr id="6" name="TextBox 5">
+            <a:extLst>
+              <a:ext uri="{FF2B5EF4-FFF2-40B4-BE49-F238E27FC236}">
+                <a16:creationId xmlns:a16="http://schemas.microsoft.com/office/drawing/2014/main" id="{F5BC9040-8518-084B-9E0E-06FCA97C8D7A}"/>
+              </a:ext>
+            </a:extLst>
+          </p:cNvPr>
+          <p:cNvSpPr txBox="1"/>
+          <p:nvPr/>
+        </p:nvSpPr>
+        <p:spPr>
+          <a:xfrm rot="16200000">
+            <a:off x="-1157852" y="3797654"/>
+            <a:ext cx="2720587" cy="369332"/>
+          </a:xfrm>
+          <a:prstGeom prst="rect">
+            <a:avLst/>
+          </a:prstGeom>
+          <a:noFill/>
+        </p:spPr>
+        <p:txBody>
+          <a:bodyPr wrap="square" rtlCol="0">
+            <a:spAutoFit/>
+          </a:bodyPr>
+          <a:lstStyle/>
+          <a:p>
+            <a:r>
+              <a:rPr lang="en-US" dirty="0">
+                <a:solidFill>
+                  <a:srgbClr val="143A52"/>
+                </a:solidFill>
+              </a:rPr>
+              <a:t>Rel. Star Count Increase</a:t>
+            </a:r>
+          </a:p>
+        </p:txBody>
+      </p:sp>
     </p:spTree>
     <p:extLst>
       <p:ext uri="{BB962C8B-B14F-4D97-AF65-F5344CB8AC3E}">
-        <p14:creationId xmlns:p14="http://schemas.microsoft.com/office/powerpoint/2010/main" val="1338581486"/>
+        <p14:creationId xmlns:p14="http://schemas.microsoft.com/office/powerpoint/2010/main" val="2549930131"/>
       </p:ext>
     </p:extLst>
   </p:cSld>
